--- a/Project A.pptx
+++ b/Project A.pptx
@@ -108,6 +108,11 @@
       </a:defRPr>
     </a:lvl9pPr>
   </p:defaultTextStyle>
+  <p:extLst>
+    <p:ext uri="{EFAFB233-063F-42B5-8137-9DF3F51BA10A}">
+      <p15:sldGuideLst xmlns:p15="http://schemas.microsoft.com/office/powerpoint/2012/main"/>
+    </p:ext>
+  </p:extLst>
 </p:presentation>
 </file>
 
@@ -242,7 +247,7 @@
           <a:p>
             <a:fld id="{A203C32B-3DE8-483E-A1C3-4A929051490F}" type="datetimeFigureOut">
               <a:rPr lang="en-US" smtClean="0"/>
-              <a:t>3/31/2015</a:t>
+              <a:t>4/1/2015</a:t>
             </a:fld>
             <a:endParaRPr lang="en-US"/>
           </a:p>
@@ -412,7 +417,7 @@
           <a:p>
             <a:fld id="{A203C32B-3DE8-483E-A1C3-4A929051490F}" type="datetimeFigureOut">
               <a:rPr lang="en-US" smtClean="0"/>
-              <a:t>3/31/2015</a:t>
+              <a:t>4/1/2015</a:t>
             </a:fld>
             <a:endParaRPr lang="en-US"/>
           </a:p>
@@ -592,7 +597,7 @@
           <a:p>
             <a:fld id="{A203C32B-3DE8-483E-A1C3-4A929051490F}" type="datetimeFigureOut">
               <a:rPr lang="en-US" smtClean="0"/>
-              <a:t>3/31/2015</a:t>
+              <a:t>4/1/2015</a:t>
             </a:fld>
             <a:endParaRPr lang="en-US"/>
           </a:p>
@@ -762,7 +767,7 @@
           <a:p>
             <a:fld id="{A203C32B-3DE8-483E-A1C3-4A929051490F}" type="datetimeFigureOut">
               <a:rPr lang="en-US" smtClean="0"/>
-              <a:t>3/31/2015</a:t>
+              <a:t>4/1/2015</a:t>
             </a:fld>
             <a:endParaRPr lang="en-US"/>
           </a:p>
@@ -1008,7 +1013,7 @@
           <a:p>
             <a:fld id="{A203C32B-3DE8-483E-A1C3-4A929051490F}" type="datetimeFigureOut">
               <a:rPr lang="en-US" smtClean="0"/>
-              <a:t>3/31/2015</a:t>
+              <a:t>4/1/2015</a:t>
             </a:fld>
             <a:endParaRPr lang="en-US"/>
           </a:p>
@@ -1240,7 +1245,7 @@
           <a:p>
             <a:fld id="{A203C32B-3DE8-483E-A1C3-4A929051490F}" type="datetimeFigureOut">
               <a:rPr lang="en-US" smtClean="0"/>
-              <a:t>3/31/2015</a:t>
+              <a:t>4/1/2015</a:t>
             </a:fld>
             <a:endParaRPr lang="en-US"/>
           </a:p>
@@ -1607,7 +1612,7 @@
           <a:p>
             <a:fld id="{A203C32B-3DE8-483E-A1C3-4A929051490F}" type="datetimeFigureOut">
               <a:rPr lang="en-US" smtClean="0"/>
-              <a:t>3/31/2015</a:t>
+              <a:t>4/1/2015</a:t>
             </a:fld>
             <a:endParaRPr lang="en-US"/>
           </a:p>
@@ -1725,7 +1730,7 @@
           <a:p>
             <a:fld id="{A203C32B-3DE8-483E-A1C3-4A929051490F}" type="datetimeFigureOut">
               <a:rPr lang="en-US" smtClean="0"/>
-              <a:t>3/31/2015</a:t>
+              <a:t>4/1/2015</a:t>
             </a:fld>
             <a:endParaRPr lang="en-US"/>
           </a:p>
@@ -1820,7 +1825,7 @@
           <a:p>
             <a:fld id="{A203C32B-3DE8-483E-A1C3-4A929051490F}" type="datetimeFigureOut">
               <a:rPr lang="en-US" smtClean="0"/>
-              <a:t>3/31/2015</a:t>
+              <a:t>4/1/2015</a:t>
             </a:fld>
             <a:endParaRPr lang="en-US"/>
           </a:p>
@@ -2097,7 +2102,7 @@
           <a:p>
             <a:fld id="{A203C32B-3DE8-483E-A1C3-4A929051490F}" type="datetimeFigureOut">
               <a:rPr lang="en-US" smtClean="0"/>
-              <a:t>3/31/2015</a:t>
+              <a:t>4/1/2015</a:t>
             </a:fld>
             <a:endParaRPr lang="en-US"/>
           </a:p>
@@ -2350,7 +2355,7 @@
           <a:p>
             <a:fld id="{A203C32B-3DE8-483E-A1C3-4A929051490F}" type="datetimeFigureOut">
               <a:rPr lang="en-US" smtClean="0"/>
-              <a:t>3/31/2015</a:t>
+              <a:t>4/1/2015</a:t>
             </a:fld>
             <a:endParaRPr lang="en-US"/>
           </a:p>
@@ -2563,7 +2568,7 @@
           <a:p>
             <a:fld id="{A203C32B-3DE8-483E-A1C3-4A929051490F}" type="datetimeFigureOut">
               <a:rPr lang="en-US" smtClean="0"/>
-              <a:t>3/31/2015</a:t>
+              <a:t>4/1/2015</a:t>
             </a:fld>
             <a:endParaRPr lang="en-US"/>
           </a:p>
@@ -3264,8 +3269,37 @@
           <a:p>
             <a:r>
               <a:rPr lang="en-US" dirty="0" smtClean="0"/>
-              <a:t>Is the Lab/Division one to one or one to many for Active Employees?</a:t>
-            </a:r>
+              <a:t>Is the Lab/Division one to one or one to many for Active Employees</a:t>
+            </a:r>
+            <a:r>
+              <a:rPr lang="en-US" dirty="0" smtClean="0"/>
+              <a:t>?</a:t>
+            </a:r>
+          </a:p>
+          <a:p>
+            <a:r>
+              <a:rPr lang="en-US" dirty="0" smtClean="0"/>
+              <a:t>When implementing the must haves, we thought, in respect to having downloadable files, it might be best to ask the customer where they would prefer to have this feature implemented?</a:t>
+            </a:r>
+          </a:p>
+          <a:p>
+            <a:r>
+              <a:rPr lang="en-US" dirty="0" smtClean="0"/>
+              <a:t>Are the first and last name sections separate?</a:t>
+            </a:r>
+          </a:p>
+          <a:p>
+            <a:r>
+              <a:rPr lang="en-US" dirty="0" smtClean="0"/>
+              <a:t>Are we in charge of taking care of inactive lists or members?</a:t>
+            </a:r>
+          </a:p>
+          <a:p>
+            <a:r>
+              <a:rPr lang="en-US" dirty="0" smtClean="0"/>
+              <a:t>How much authority do we have in using the given employee table? </a:t>
+            </a:r>
+            <a:endParaRPr lang="en-US" dirty="0" smtClean="0"/>
           </a:p>
           <a:p>
             <a:endParaRPr lang="en-US" dirty="0" smtClean="0"/>
